--- a/DOKUMENTASI/PPT RPL.pptx
+++ b/DOKUMENTASI/PPT RPL.pptx
@@ -37,20 +37,20 @@
   <p:notesSz cx="6858000" cy="9144000"/>
   <p:embeddedFontLst>
     <p:embeddedFont>
-      <p:font typeface="Open Sans" charset="0"/>
+      <p:font typeface="Merriweather" charset="0"/>
       <p:regular r:id="rId27"/>
       <p:bold r:id="rId28"/>
-      <p:italic r:id="rId29"/>
-      <p:boldItalic r:id="rId30"/>
+    </p:embeddedFont>
+    <p:embeddedFont>
+      <p:font typeface="Open Sans" charset="0"/>
+      <p:regular r:id="rId29"/>
+      <p:bold r:id="rId30"/>
+      <p:italic r:id="rId31"/>
+      <p:boldItalic r:id="rId32"/>
     </p:embeddedFont>
     <p:embeddedFont>
       <p:font typeface="AR JULIAN" pitchFamily="2" charset="0"/>
-      <p:regular r:id="rId31"/>
-    </p:embeddedFont>
-    <p:embeddedFont>
-      <p:font typeface="Merriweather" charset="0"/>
-      <p:regular r:id="rId32"/>
-      <p:bold r:id="rId33"/>
+      <p:regular r:id="rId33"/>
     </p:embeddedFont>
   </p:embeddedFontLst>
   <p:defaultTextStyle>
@@ -8356,7 +8356,7 @@
         </p:nvSpPr>
         <p:spPr>
           <a:xfrm>
-            <a:off x="6660232" y="1581058"/>
+            <a:off x="6660231" y="1648783"/>
             <a:ext cx="1215499" cy="1253430"/>
           </a:xfrm>
           <a:prstGeom prst="ellipse">

--- a/DOKUMENTASI/PPT RPL.pptx
+++ b/DOKUMENTASI/PPT RPL.pptx
@@ -37,16 +37,16 @@
   <p:notesSz cx="6858000" cy="9144000"/>
   <p:embeddedFontLst>
     <p:embeddedFont>
-      <p:font typeface="Merriweather" charset="0"/>
+      <p:font typeface="Open Sans" charset="0"/>
       <p:regular r:id="rId27"/>
       <p:bold r:id="rId28"/>
+      <p:italic r:id="rId29"/>
+      <p:boldItalic r:id="rId30"/>
     </p:embeddedFont>
     <p:embeddedFont>
-      <p:font typeface="Open Sans" charset="0"/>
-      <p:regular r:id="rId29"/>
-      <p:bold r:id="rId30"/>
-      <p:italic r:id="rId31"/>
-      <p:boldItalic r:id="rId32"/>
+      <p:font typeface="Merriweather" charset="0"/>
+      <p:regular r:id="rId31"/>
+      <p:bold r:id="rId32"/>
     </p:embeddedFont>
     <p:embeddedFont>
       <p:font typeface="AR JULIAN" pitchFamily="2" charset="0"/>
